--- a/doc/03 prezentacio/prezentacio.pptx
+++ b/doc/03 prezentacio/prezentacio.pptx
@@ -7,15 +7,14 @@
   <p:sldIdLst>
     <p:sldId id="256" r:id="rId2"/>
     <p:sldId id="257" r:id="rId3"/>
-    <p:sldId id="258" r:id="rId4"/>
-    <p:sldId id="260" r:id="rId5"/>
-    <p:sldId id="259" r:id="rId6"/>
-    <p:sldId id="261" r:id="rId7"/>
-    <p:sldId id="262" r:id="rId8"/>
-    <p:sldId id="263" r:id="rId9"/>
-    <p:sldId id="264" r:id="rId10"/>
-    <p:sldId id="265" r:id="rId11"/>
-    <p:sldId id="266" r:id="rId12"/>
+    <p:sldId id="260" r:id="rId4"/>
+    <p:sldId id="259" r:id="rId5"/>
+    <p:sldId id="261" r:id="rId6"/>
+    <p:sldId id="262" r:id="rId7"/>
+    <p:sldId id="263" r:id="rId8"/>
+    <p:sldId id="264" r:id="rId9"/>
+    <p:sldId id="265" r:id="rId10"/>
+    <p:sldId id="266" r:id="rId11"/>
   </p:sldIdLst>
   <p:sldSz cx="9144000" cy="6858000" type="screen4x3"/>
   <p:notesSz cx="6858000" cy="9144000"/>
@@ -365,7 +364,8 @@
           <a:p>
             <a:fld id="{72D9D3DB-2A17-42A4-84E0-37154F103D39}" type="datetimeFigureOut">
               <a:rPr lang="hu-HU" smtClean="0"/>
-              <a:t>2010.12.06.</a:t>
+              <a:pPr/>
+              <a:t>2010.12.07.</a:t>
             </a:fld>
             <a:endParaRPr lang="hu-HU"/>
           </a:p>
@@ -407,6 +407,7 @@
           <a:p>
             <a:fld id="{DED1E6B0-F01C-4E42-B6CB-45BA182AAB59}" type="slidenum">
               <a:rPr lang="hu-HU" smtClean="0"/>
+              <a:pPr/>
               <a:t>‹#›</a:t>
             </a:fld>
             <a:endParaRPr lang="hu-HU"/>
@@ -588,7 +589,8 @@
           <a:p>
             <a:fld id="{72D9D3DB-2A17-42A4-84E0-37154F103D39}" type="datetimeFigureOut">
               <a:rPr lang="hu-HU" smtClean="0"/>
-              <a:t>2010.12.06.</a:t>
+              <a:pPr/>
+              <a:t>2010.12.07.</a:t>
             </a:fld>
             <a:endParaRPr lang="hu-HU"/>
           </a:p>
@@ -630,6 +632,7 @@
           <a:p>
             <a:fld id="{DED1E6B0-F01C-4E42-B6CB-45BA182AAB59}" type="slidenum">
               <a:rPr lang="hu-HU" smtClean="0"/>
+              <a:pPr/>
               <a:t>‹#›</a:t>
             </a:fld>
             <a:endParaRPr lang="hu-HU"/>
@@ -868,7 +871,8 @@
           <a:p>
             <a:fld id="{72D9D3DB-2A17-42A4-84E0-37154F103D39}" type="datetimeFigureOut">
               <a:rPr lang="hu-HU" smtClean="0"/>
-              <a:t>2010.12.06.</a:t>
+              <a:pPr/>
+              <a:t>2010.12.07.</a:t>
             </a:fld>
             <a:endParaRPr lang="hu-HU"/>
           </a:p>
@@ -915,6 +919,7 @@
           <a:p>
             <a:fld id="{DED1E6B0-F01C-4E42-B6CB-45BA182AAB59}" type="slidenum">
               <a:rPr lang="hu-HU" smtClean="0"/>
+              <a:pPr/>
               <a:t>‹#›</a:t>
             </a:fld>
             <a:endParaRPr lang="hu-HU"/>
@@ -1047,7 +1052,8 @@
           <a:p>
             <a:fld id="{72D9D3DB-2A17-42A4-84E0-37154F103D39}" type="datetimeFigureOut">
               <a:rPr lang="hu-HU" smtClean="0"/>
-              <a:t>2010.12.06.</a:t>
+              <a:pPr/>
+              <a:t>2010.12.07.</a:t>
             </a:fld>
             <a:endParaRPr lang="hu-HU"/>
           </a:p>
@@ -1089,6 +1095,7 @@
           <a:p>
             <a:fld id="{DED1E6B0-F01C-4E42-B6CB-45BA182AAB59}" type="slidenum">
               <a:rPr lang="hu-HU" smtClean="0"/>
+              <a:pPr/>
               <a:t>‹#›</a:t>
             </a:fld>
             <a:endParaRPr lang="hu-HU"/>
@@ -1405,7 +1412,8 @@
           <a:p>
             <a:fld id="{72D9D3DB-2A17-42A4-84E0-37154F103D39}" type="datetimeFigureOut">
               <a:rPr lang="hu-HU" smtClean="0"/>
-              <a:t>2010.12.06.</a:t>
+              <a:pPr/>
+              <a:t>2010.12.07.</a:t>
             </a:fld>
             <a:endParaRPr lang="hu-HU"/>
           </a:p>
@@ -1447,6 +1455,7 @@
           <a:p>
             <a:fld id="{DED1E6B0-F01C-4E42-B6CB-45BA182AAB59}" type="slidenum">
               <a:rPr lang="hu-HU" smtClean="0"/>
+              <a:pPr/>
               <a:t>‹#›</a:t>
             </a:fld>
             <a:endParaRPr lang="hu-HU"/>
@@ -1692,7 +1701,8 @@
           <a:p>
             <a:fld id="{72D9D3DB-2A17-42A4-84E0-37154F103D39}" type="datetimeFigureOut">
               <a:rPr lang="hu-HU" smtClean="0"/>
-              <a:t>2010.12.06.</a:t>
+              <a:pPr/>
+              <a:t>2010.12.07.</a:t>
             </a:fld>
             <a:endParaRPr lang="hu-HU"/>
           </a:p>
@@ -1734,6 +1744,7 @@
           <a:p>
             <a:fld id="{DED1E6B0-F01C-4E42-B6CB-45BA182AAB59}" type="slidenum">
               <a:rPr lang="hu-HU" smtClean="0"/>
+              <a:pPr/>
               <a:t>‹#›</a:t>
             </a:fld>
             <a:endParaRPr lang="hu-HU"/>
@@ -2114,7 +2125,8 @@
           <a:p>
             <a:fld id="{72D9D3DB-2A17-42A4-84E0-37154F103D39}" type="datetimeFigureOut">
               <a:rPr lang="hu-HU" smtClean="0"/>
-              <a:t>2010.12.06.</a:t>
+              <a:pPr/>
+              <a:t>2010.12.07.</a:t>
             </a:fld>
             <a:endParaRPr lang="hu-HU"/>
           </a:p>
@@ -2156,6 +2168,7 @@
           <a:p>
             <a:fld id="{DED1E6B0-F01C-4E42-B6CB-45BA182AAB59}" type="slidenum">
               <a:rPr lang="hu-HU" smtClean="0"/>
+              <a:pPr/>
               <a:t>‹#›</a:t>
             </a:fld>
             <a:endParaRPr lang="hu-HU"/>
@@ -2229,7 +2242,8 @@
           <a:p>
             <a:fld id="{72D9D3DB-2A17-42A4-84E0-37154F103D39}" type="datetimeFigureOut">
               <a:rPr lang="hu-HU" smtClean="0"/>
-              <a:t>2010.12.06.</a:t>
+              <a:pPr/>
+              <a:t>2010.12.07.</a:t>
             </a:fld>
             <a:endParaRPr lang="hu-HU"/>
           </a:p>
@@ -2271,6 +2285,7 @@
           <a:p>
             <a:fld id="{DED1E6B0-F01C-4E42-B6CB-45BA182AAB59}" type="slidenum">
               <a:rPr lang="hu-HU" smtClean="0"/>
+              <a:pPr/>
               <a:t>‹#›</a:t>
             </a:fld>
             <a:endParaRPr lang="hu-HU"/>
@@ -2319,7 +2334,8 @@
           <a:p>
             <a:fld id="{72D9D3DB-2A17-42A4-84E0-37154F103D39}" type="datetimeFigureOut">
               <a:rPr lang="hu-HU" smtClean="0"/>
-              <a:t>2010.12.06.</a:t>
+              <a:pPr/>
+              <a:t>2010.12.07.</a:t>
             </a:fld>
             <a:endParaRPr lang="hu-HU"/>
           </a:p>
@@ -2361,6 +2377,7 @@
           <a:p>
             <a:fld id="{DED1E6B0-F01C-4E42-B6CB-45BA182AAB59}" type="slidenum">
               <a:rPr lang="hu-HU" smtClean="0"/>
+              <a:pPr/>
               <a:t>‹#›</a:t>
             </a:fld>
             <a:endParaRPr lang="hu-HU"/>
@@ -2597,7 +2614,8 @@
           <a:p>
             <a:fld id="{72D9D3DB-2A17-42A4-84E0-37154F103D39}" type="datetimeFigureOut">
               <a:rPr lang="hu-HU" smtClean="0"/>
-              <a:t>2010.12.06.</a:t>
+              <a:pPr/>
+              <a:t>2010.12.07.</a:t>
             </a:fld>
             <a:endParaRPr lang="hu-HU"/>
           </a:p>
@@ -2639,6 +2657,7 @@
           <a:p>
             <a:fld id="{DED1E6B0-F01C-4E42-B6CB-45BA182AAB59}" type="slidenum">
               <a:rPr lang="hu-HU" smtClean="0"/>
+              <a:pPr/>
               <a:t>‹#›</a:t>
             </a:fld>
             <a:endParaRPr lang="hu-HU"/>
@@ -2963,7 +2982,8 @@
           <a:p>
             <a:fld id="{72D9D3DB-2A17-42A4-84E0-37154F103D39}" type="datetimeFigureOut">
               <a:rPr lang="hu-HU" smtClean="0"/>
-              <a:t>2010.12.06.</a:t>
+              <a:pPr/>
+              <a:t>2010.12.07.</a:t>
             </a:fld>
             <a:endParaRPr lang="hu-HU"/>
           </a:p>
@@ -3119,6 +3139,7 @@
           <a:p>
             <a:fld id="{DED1E6B0-F01C-4E42-B6CB-45BA182AAB59}" type="slidenum">
               <a:rPr lang="hu-HU" smtClean="0"/>
+              <a:pPr/>
               <a:t>‹#›</a:t>
             </a:fld>
             <a:endParaRPr lang="hu-HU"/>
@@ -3400,7 +3421,8 @@
           <a:p>
             <a:fld id="{72D9D3DB-2A17-42A4-84E0-37154F103D39}" type="datetimeFigureOut">
               <a:rPr lang="hu-HU" smtClean="0"/>
-              <a:t>2010.12.06.</a:t>
+              <a:pPr/>
+              <a:t>2010.12.07.</a:t>
             </a:fld>
             <a:endParaRPr lang="hu-HU"/>
           </a:p>
@@ -3480,6 +3502,7 @@
           <a:p>
             <a:fld id="{DED1E6B0-F01C-4E42-B6CB-45BA182AAB59}" type="slidenum">
               <a:rPr lang="hu-HU" smtClean="0"/>
+              <a:pPr/>
               <a:t>‹#›</a:t>
             </a:fld>
             <a:endParaRPr lang="hu-HU"/>
@@ -3892,93 +3915,17 @@
   <p:clrMapOvr>
     <a:masterClrMapping/>
   </p:clrMapOvr>
+  <p:timing>
+    <p:tnLst>
+      <p:par>
+        <p:cTn id="1" dur="indefinite" restart="never" nodeType="tmRoot"/>
+      </p:par>
+    </p:tnLst>
+  </p:timing>
 </p:sld>
 </file>
 
 <file path=ppt/slides/slide10.xml><?xml version="1.0" encoding="utf-8"?>
-<p:sld xmlns:a="http://schemas.openxmlformats.org/drawingml/2006/main" xmlns:r="http://schemas.openxmlformats.org/officeDocument/2006/relationships" xmlns:p="http://schemas.openxmlformats.org/presentationml/2006/main">
-  <p:cSld>
-    <p:spTree>
-      <p:nvGrpSpPr>
-        <p:cNvPr id="1" name=""/>
-        <p:cNvGrpSpPr/>
-        <p:nvPr/>
-      </p:nvGrpSpPr>
-      <p:grpSpPr>
-        <a:xfrm>
-          <a:off x="0" y="0"/>
-          <a:ext cx="0" cy="0"/>
-          <a:chOff x="0" y="0"/>
-          <a:chExt cx="0" cy="0"/>
-        </a:xfrm>
-      </p:grpSpPr>
-      <p:sp>
-        <p:nvSpPr>
-          <p:cNvPr id="2" name="Cím 1"/>
-          <p:cNvSpPr>
-            <a:spLocks noGrp="1"/>
-          </p:cNvSpPr>
-          <p:nvPr>
-            <p:ph type="title"/>
-          </p:nvPr>
-        </p:nvSpPr>
-        <p:spPr/>
-        <p:txBody>
-          <a:bodyPr/>
-          <a:lstStyle/>
-          <a:p>
-            <a:r>
-              <a:rPr lang="hu-HU" smtClean="0"/>
-              <a:t>Továbbfejlesztési lehetőségek</a:t>
-            </a:r>
-            <a:endParaRPr lang="hu-HU"/>
-          </a:p>
-        </p:txBody>
-      </p:sp>
-      <p:sp>
-        <p:nvSpPr>
-          <p:cNvPr id="3" name="Tartalom helye 2"/>
-          <p:cNvSpPr>
-            <a:spLocks noGrp="1"/>
-          </p:cNvSpPr>
-          <p:nvPr>
-            <p:ph idx="1"/>
-          </p:nvPr>
-        </p:nvSpPr>
-        <p:spPr/>
-        <p:txBody>
-          <a:bodyPr/>
-          <a:lstStyle/>
-          <a:p>
-            <a:r>
-              <a:rPr lang="hu-HU" smtClean="0"/>
-              <a:t>Funkciók finomítása</a:t>
-            </a:r>
-          </a:p>
-          <a:p>
-            <a:r>
-              <a:rPr lang="hu-HU" smtClean="0"/>
-              <a:t>GUI szépítés</a:t>
-            </a:r>
-          </a:p>
-          <a:p>
-            <a:r>
-              <a:rPr lang="hu-HU" smtClean="0"/>
-              <a:t>Doksi végére amiket írtunk...</a:t>
-            </a:r>
-            <a:endParaRPr lang="hu-HU"/>
-          </a:p>
-        </p:txBody>
-      </p:sp>
-    </p:spTree>
-  </p:cSld>
-  <p:clrMapOvr>
-    <a:masterClrMapping/>
-  </p:clrMapOvr>
-</p:sld>
-</file>
-
-<file path=ppt/slides/slide11.xml><?xml version="1.0" encoding="utf-8"?>
 <p:sld xmlns:a="http://schemas.openxmlformats.org/drawingml/2006/main" xmlns:r="http://schemas.openxmlformats.org/officeDocument/2006/relationships" xmlns:p="http://schemas.openxmlformats.org/presentationml/2006/main">
   <p:cSld>
     <p:spTree>
@@ -4160,6 +4107,13 @@
   <p:clrMapOvr>
     <a:masterClrMapping/>
   </p:clrMapOvr>
+  <p:timing>
+    <p:tnLst>
+      <p:par>
+        <p:cTn id="1" dur="indefinite" restart="never" nodeType="tmRoot"/>
+      </p:par>
+    </p:tnLst>
+  </p:timing>
 </p:sld>
 </file>
 
@@ -4192,14 +4146,12 @@
         </p:nvSpPr>
         <p:spPr/>
         <p:txBody>
-          <a:bodyPr>
-            <a:normAutofit/>
-          </a:bodyPr>
+          <a:bodyPr/>
           <a:lstStyle/>
           <a:p>
             <a:r>
               <a:rPr lang="hu-HU" smtClean="0"/>
-              <a:t>Elvárások</a:t>
+              <a:t>Felhasznált technológiák</a:t>
             </a:r>
             <a:endParaRPr lang="hu-HU"/>
           </a:p>
@@ -4222,22 +4174,50 @@
           <a:p>
             <a:r>
               <a:rPr lang="hu-HU" smtClean="0"/>
-              <a:t>Mik az egyéb követelmények</a:t>
+              <a:t>Java EE 5</a:t>
             </a:r>
           </a:p>
           <a:p>
             <a:pPr lvl="1"/>
             <a:r>
               <a:rPr lang="hu-HU" smtClean="0"/>
-              <a:t>architektura</a:t>
+              <a:t>JPA</a:t>
             </a:r>
           </a:p>
           <a:p>
             <a:pPr lvl="1"/>
             <a:r>
               <a:rPr lang="hu-HU" smtClean="0"/>
-              <a:t>ami nem a funkcionalitással kapcsolatos</a:t>
-            </a:r>
+              <a:t>EJB</a:t>
+            </a:r>
+          </a:p>
+          <a:p>
+            <a:pPr lvl="1"/>
+            <a:r>
+              <a:rPr lang="hu-HU" smtClean="0"/>
+              <a:t>JBoss</a:t>
+            </a:r>
+          </a:p>
+          <a:p>
+            <a:r>
+              <a:rPr lang="hu-HU" smtClean="0"/>
+              <a:t>GWT</a:t>
+            </a:r>
+          </a:p>
+          <a:p>
+            <a:r>
+              <a:rPr lang="hu-HU" smtClean="0"/>
+              <a:t>Adatbázis: </a:t>
+            </a:r>
+            <a:r>
+              <a:rPr lang="hu-HU" smtClean="0"/>
+              <a:t>MySQL</a:t>
+            </a:r>
+          </a:p>
+          <a:p>
+            <a:endParaRPr lang="hu-HU" smtClean="0"/>
+          </a:p>
+          <a:p>
             <a:endParaRPr lang="hu-HU"/>
           </a:p>
         </p:txBody>
@@ -4247,6 +4227,13 @@
   <p:clrMapOvr>
     <a:masterClrMapping/>
   </p:clrMapOvr>
+  <p:timing>
+    <p:tnLst>
+      <p:par>
+        <p:cTn id="1" dur="indefinite" restart="never" nodeType="tmRoot"/>
+      </p:par>
+    </p:tnLst>
+  </p:timing>
 </p:sld>
 </file>
 
@@ -4284,78 +4271,50 @@
           <a:p>
             <a:r>
               <a:rPr lang="hu-HU" smtClean="0"/>
-              <a:t>Felhasznált technológiák</a:t>
+              <a:t>Használati esetek</a:t>
             </a:r>
             <a:endParaRPr lang="hu-HU"/>
           </a:p>
         </p:txBody>
       </p:sp>
-      <p:sp>
-        <p:nvSpPr>
-          <p:cNvPr id="3" name="Tartalom helye 2"/>
-          <p:cNvSpPr>
-            <a:spLocks noGrp="1"/>
-          </p:cNvSpPr>
-          <p:nvPr>
-            <p:ph idx="1"/>
-          </p:nvPr>
-        </p:nvSpPr>
-        <p:spPr/>
-        <p:txBody>
-          <a:bodyPr/>
-          <a:lstStyle/>
-          <a:p>
-            <a:r>
-              <a:rPr lang="hu-HU" smtClean="0"/>
-              <a:t>Java EE 5</a:t>
-            </a:r>
-          </a:p>
-          <a:p>
-            <a:pPr lvl="1"/>
-            <a:r>
-              <a:rPr lang="hu-HU" smtClean="0"/>
-              <a:t>JPA</a:t>
-            </a:r>
-          </a:p>
-          <a:p>
-            <a:pPr lvl="1"/>
-            <a:r>
-              <a:rPr lang="hu-HU" smtClean="0"/>
-              <a:t>EJB</a:t>
-            </a:r>
-          </a:p>
-          <a:p>
-            <a:pPr lvl="1"/>
-            <a:r>
-              <a:rPr lang="hu-HU" smtClean="0"/>
-              <a:t>JBoss</a:t>
-            </a:r>
-          </a:p>
-          <a:p>
-            <a:r>
-              <a:rPr lang="hu-HU" smtClean="0"/>
-              <a:t>GWT</a:t>
-            </a:r>
-          </a:p>
-          <a:p>
-            <a:r>
-              <a:rPr lang="hu-HU" smtClean="0"/>
-              <a:t>DB: MySQL</a:t>
-            </a:r>
-          </a:p>
-          <a:p>
-            <a:endParaRPr lang="hu-HU" smtClean="0"/>
-          </a:p>
-          <a:p>
-            <a:endParaRPr lang="hu-HU"/>
-          </a:p>
-        </p:txBody>
-      </p:sp>
+      <p:pic>
+        <p:nvPicPr>
+          <p:cNvPr id="1026" name="Picture 2" descr="E:\BME\current\eclipse\doc\01 kov-spec\uml\use-case.png"/>
+          <p:cNvPicPr>
+            <a:picLocks noChangeAspect="1" noChangeArrowheads="1"/>
+          </p:cNvPicPr>
+          <p:nvPr/>
+        </p:nvPicPr>
+        <p:blipFill>
+          <a:blip r:embed="rId2" cstate="print"/>
+          <a:srcRect/>
+          <a:stretch>
+            <a:fillRect/>
+          </a:stretch>
+        </p:blipFill>
+        <p:spPr bwMode="auto">
+          <a:xfrm>
+            <a:off x="1619672" y="1556792"/>
+            <a:ext cx="5932258" cy="5013176"/>
+          </a:xfrm>
+          <a:prstGeom prst="rect">
+            <a:avLst/>
+          </a:prstGeom>
+          <a:noFill/>
+        </p:spPr>
+      </p:pic>
     </p:spTree>
   </p:cSld>
   <p:clrMapOvr>
     <a:masterClrMapping/>
   </p:clrMapOvr>
+  <p:timing>
+    <p:tnLst>
+      <p:par>
+        <p:cTn id="1" dur="indefinite" restart="never" nodeType="tmRoot"/>
+      </p:par>
+    </p:tnLst>
+  </p:timing>
 </p:sld>
 </file>
 
@@ -4393,7 +4352,7 @@
           <a:p>
             <a:r>
               <a:rPr lang="hu-HU" smtClean="0"/>
-              <a:t>Használati esetek</a:t>
+              <a:t>Architektúra</a:t>
             </a:r>
             <a:endParaRPr lang="hu-HU"/>
           </a:p>
@@ -4401,12 +4360,12 @@
       </p:sp>
       <p:sp>
         <p:nvSpPr>
-          <p:cNvPr id="3" name="Tartalom helye 2"/>
-          <p:cNvSpPr>
-            <a:spLocks noGrp="1"/>
-          </p:cNvSpPr>
-          <p:nvPr>
-            <p:ph idx="1"/>
+          <p:cNvPr id="4" name="Tartalom helye 3"/>
+          <p:cNvSpPr>
+            <a:spLocks noGrp="1"/>
+          </p:cNvSpPr>
+          <p:nvPr>
+            <p:ph sz="half" idx="2"/>
           </p:nvPr>
         </p:nvSpPr>
         <p:spPr/>
@@ -4416,17 +4375,125 @@
           <a:p>
             <a:r>
               <a:rPr lang="hu-HU" smtClean="0"/>
-              <a:t>ÁBRA</a:t>
-            </a:r>
+              <a:t>kliens</a:t>
+            </a:r>
+          </a:p>
+          <a:p>
+            <a:pPr lvl="1"/>
+            <a:r>
+              <a:rPr lang="hu-HU" smtClean="0"/>
+              <a:t>Böngészőn keresztül</a:t>
+            </a:r>
+          </a:p>
+          <a:p>
+            <a:pPr lvl="1"/>
+            <a:r>
+              <a:rPr lang="hu-HU" smtClean="0"/>
+              <a:t>GWT kliens oldal</a:t>
+            </a:r>
+            <a:endParaRPr lang="hu-HU" smtClean="0"/>
+          </a:p>
+          <a:p>
+            <a:r>
+              <a:rPr lang="hu-HU" smtClean="0"/>
+              <a:t>GWT server</a:t>
+            </a:r>
+          </a:p>
+          <a:p>
+            <a:pPr lvl="1"/>
+            <a:r>
+              <a:rPr lang="hu-HU" smtClean="0"/>
+              <a:t>GWT szerver oldal</a:t>
+            </a:r>
+            <a:endParaRPr lang="hu-HU" smtClean="0"/>
+          </a:p>
+          <a:p>
+            <a:r>
+              <a:rPr lang="hu-HU" smtClean="0"/>
+              <a:t>Üzleti </a:t>
+            </a:r>
+            <a:r>
+              <a:rPr lang="hu-HU" smtClean="0"/>
+              <a:t>logika (EJB</a:t>
+            </a:r>
+            <a:r>
+              <a:rPr lang="hu-HU" smtClean="0"/>
+              <a:t>)</a:t>
+            </a:r>
+          </a:p>
+          <a:p>
+            <a:pPr lvl="1"/>
+            <a:r>
+              <a:rPr lang="hu-HU" smtClean="0"/>
+              <a:t>SeriesPortal interfész</a:t>
+            </a:r>
+            <a:endParaRPr lang="hu-HU" smtClean="0"/>
+          </a:p>
+          <a:p>
+            <a:r>
+              <a:rPr lang="hu-HU" smtClean="0"/>
+              <a:t>DAO</a:t>
+            </a:r>
+          </a:p>
+          <a:p>
+            <a:pPr lvl="1"/>
+            <a:r>
+              <a:rPr lang="hu-HU" smtClean="0"/>
+              <a:t>EJB használja</a:t>
+            </a:r>
+          </a:p>
+          <a:p>
+            <a:pPr lvl="1"/>
+            <a:r>
+              <a:rPr lang="hu-HU" smtClean="0"/>
+              <a:t>JPA lekérdezése</a:t>
+            </a:r>
+            <a:endParaRPr lang="hu-HU" smtClean="0"/>
+          </a:p>
+          <a:p>
+            <a:pPr lvl="1"/>
             <a:endParaRPr lang="hu-HU"/>
           </a:p>
         </p:txBody>
       </p:sp>
+      <p:pic>
+        <p:nvPicPr>
+          <p:cNvPr id="2050" name="Picture 2" descr="E:\BME\current\eclipse\doc\02 beadas\visio\architecture.png"/>
+          <p:cNvPicPr>
+            <a:picLocks noChangeAspect="1" noChangeArrowheads="1"/>
+          </p:cNvPicPr>
+          <p:nvPr/>
+        </p:nvPicPr>
+        <p:blipFill>
+          <a:blip r:embed="rId2" cstate="print"/>
+          <a:srcRect/>
+          <a:stretch>
+            <a:fillRect/>
+          </a:stretch>
+        </p:blipFill>
+        <p:spPr bwMode="auto">
+          <a:xfrm>
+            <a:off x="611560" y="1916832"/>
+            <a:ext cx="3181350" cy="3762375"/>
+          </a:xfrm>
+          <a:prstGeom prst="rect">
+            <a:avLst/>
+          </a:prstGeom>
+          <a:noFill/>
+        </p:spPr>
+      </p:pic>
     </p:spTree>
   </p:cSld>
   <p:clrMapOvr>
     <a:masterClrMapping/>
   </p:clrMapOvr>
+  <p:timing>
+    <p:tnLst>
+      <p:par>
+        <p:cTn id="1" dur="indefinite" restart="never" nodeType="tmRoot"/>
+      </p:par>
+    </p:tnLst>
+  </p:timing>
 </p:sld>
 </file>
 
@@ -4464,7 +4531,7 @@
           <a:p>
             <a:r>
               <a:rPr lang="hu-HU" smtClean="0"/>
-              <a:t>Architektúra</a:t>
+              <a:t>Komponensek</a:t>
             </a:r>
             <a:endParaRPr lang="hu-HU"/>
           </a:p>
@@ -4472,76 +4539,139 @@
       </p:sp>
       <p:sp>
         <p:nvSpPr>
-          <p:cNvPr id="3" name="Tartalom helye 2"/>
-          <p:cNvSpPr>
-            <a:spLocks noGrp="1"/>
-          </p:cNvSpPr>
-          <p:nvPr>
-            <p:ph sz="half" idx="1"/>
-          </p:nvPr>
-        </p:nvSpPr>
-        <p:spPr/>
-        <p:txBody>
-          <a:bodyPr/>
+          <p:cNvPr id="5" name="Tartalom helye 4"/>
+          <p:cNvSpPr>
+            <a:spLocks noGrp="1"/>
+          </p:cNvSpPr>
+          <p:nvPr>
+            <p:ph idx="1"/>
+          </p:nvPr>
+        </p:nvSpPr>
+        <p:spPr>
+          <a:xfrm>
+            <a:off x="2843808" y="1775191"/>
+            <a:ext cx="5842992" cy="4625609"/>
+          </a:xfrm>
+        </p:spPr>
+        <p:txBody>
+          <a:bodyPr>
+            <a:normAutofit fontScale="92500" lnSpcReduction="20000"/>
+          </a:bodyPr>
           <a:lstStyle/>
           <a:p>
             <a:r>
               <a:rPr lang="hu-HU" smtClean="0"/>
-              <a:t>ÁBRA</a:t>
+              <a:t>GWT webalkalmazás</a:t>
+            </a:r>
+          </a:p>
+          <a:p>
+            <a:pPr lvl="1"/>
+            <a:r>
+              <a:rPr lang="hu-HU" smtClean="0"/>
+              <a:t>Javascript</a:t>
+            </a:r>
+            <a:endParaRPr lang="hu-HU" smtClean="0"/>
+          </a:p>
+          <a:p>
+            <a:r>
+              <a:rPr lang="hu-HU" smtClean="0"/>
+              <a:t>GWT szervízek</a:t>
+            </a:r>
+          </a:p>
+          <a:p>
+            <a:r>
+              <a:rPr lang="hu-HU" smtClean="0"/>
+              <a:t>Converter</a:t>
+            </a:r>
+          </a:p>
+          <a:p>
+            <a:pPr lvl="1"/>
+            <a:r>
+              <a:rPr lang="hu-HU" smtClean="0"/>
+              <a:t>JPA – DTO konverzió</a:t>
+            </a:r>
+          </a:p>
+          <a:p>
+            <a:pPr lvl="1"/>
+            <a:r>
+              <a:rPr lang="hu-HU" smtClean="0"/>
+              <a:t>Reflection</a:t>
+            </a:r>
+            <a:endParaRPr lang="hu-HU" smtClean="0"/>
+          </a:p>
+          <a:p>
+            <a:r>
+              <a:rPr lang="hu-HU" smtClean="0"/>
+              <a:t>EJB</a:t>
+            </a:r>
+          </a:p>
+          <a:p>
+            <a:r>
+              <a:rPr lang="hu-HU" smtClean="0"/>
+              <a:t>DAO</a:t>
+            </a:r>
+          </a:p>
+          <a:p>
+            <a:r>
+              <a:rPr lang="hu-HU" smtClean="0"/>
+              <a:t>JPA</a:t>
+            </a:r>
+          </a:p>
+          <a:p>
+            <a:pPr lvl="1"/>
+            <a:r>
+              <a:rPr lang="hu-HU" smtClean="0"/>
+              <a:t>Hibernate</a:t>
+            </a:r>
+            <a:endParaRPr lang="hu-HU" smtClean="0"/>
+          </a:p>
+          <a:p>
+            <a:r>
+              <a:rPr lang="hu-HU" smtClean="0"/>
+              <a:t>DB</a:t>
             </a:r>
             <a:endParaRPr lang="hu-HU"/>
           </a:p>
         </p:txBody>
       </p:sp>
-      <p:sp>
-        <p:nvSpPr>
-          <p:cNvPr id="4" name="Tartalom helye 3"/>
-          <p:cNvSpPr>
-            <a:spLocks noGrp="1"/>
-          </p:cNvSpPr>
-          <p:nvPr>
-            <p:ph sz="half" idx="2"/>
-          </p:nvPr>
-        </p:nvSpPr>
-        <p:spPr/>
-        <p:txBody>
-          <a:bodyPr/>
-          <a:lstStyle/>
-          <a:p>
-            <a:r>
-              <a:rPr lang="hu-HU" smtClean="0"/>
-              <a:t>kliens</a:t>
-            </a:r>
-          </a:p>
-          <a:p>
-            <a:r>
-              <a:rPr lang="hu-HU" smtClean="0"/>
-              <a:t>gwt server</a:t>
-            </a:r>
-          </a:p>
-          <a:p>
-            <a:r>
-              <a:rPr lang="hu-HU" smtClean="0"/>
-              <a:t>üzleti logika (EJB)</a:t>
-            </a:r>
-          </a:p>
-          <a:p>
-            <a:r>
-              <a:rPr lang="hu-HU" smtClean="0"/>
-              <a:t>DAO</a:t>
-            </a:r>
-          </a:p>
-          <a:p>
-            <a:pPr lvl="1"/>
-            <a:endParaRPr lang="hu-HU"/>
-          </a:p>
-        </p:txBody>
-      </p:sp>
+      <p:pic>
+        <p:nvPicPr>
+          <p:cNvPr id="3074" name="Picture 2" descr="E:\BME\current\eclipse\doc\02 beadas\visio\components.png"/>
+          <p:cNvPicPr>
+            <a:picLocks noChangeAspect="1" noChangeArrowheads="1"/>
+          </p:cNvPicPr>
+          <p:nvPr/>
+        </p:nvPicPr>
+        <p:blipFill>
+          <a:blip r:embed="rId2" cstate="print"/>
+          <a:srcRect/>
+          <a:stretch>
+            <a:fillRect/>
+          </a:stretch>
+        </p:blipFill>
+        <p:spPr bwMode="auto">
+          <a:xfrm>
+            <a:off x="395536" y="1772816"/>
+            <a:ext cx="2105025" cy="4371975"/>
+          </a:xfrm>
+          <a:prstGeom prst="rect">
+            <a:avLst/>
+          </a:prstGeom>
+          <a:noFill/>
+        </p:spPr>
+      </p:pic>
     </p:spTree>
   </p:cSld>
   <p:clrMapOvr>
     <a:masterClrMapping/>
   </p:clrMapOvr>
+  <p:timing>
+    <p:tnLst>
+      <p:par>
+        <p:cTn id="1" dur="indefinite" restart="never" nodeType="tmRoot"/>
+      </p:par>
+    </p:tnLst>
+  </p:timing>
 </p:sld>
 </file>
 
@@ -4579,7 +4709,7 @@
           <a:p>
             <a:r>
               <a:rPr lang="hu-HU" smtClean="0"/>
-              <a:t>Komponensek</a:t>
+              <a:t>Perzisztens réteg</a:t>
             </a:r>
             <a:endParaRPr lang="hu-HU"/>
           </a:p>
@@ -4587,91 +4717,116 @@
       </p:sp>
       <p:sp>
         <p:nvSpPr>
-          <p:cNvPr id="4" name="Tartalom helye 3"/>
-          <p:cNvSpPr>
-            <a:spLocks noGrp="1"/>
-          </p:cNvSpPr>
-          <p:nvPr>
-            <p:ph sz="half" idx="1"/>
-          </p:nvPr>
-        </p:nvSpPr>
-        <p:spPr/>
-        <p:txBody>
-          <a:bodyPr/>
+          <p:cNvPr id="6" name="Tartalom helye 5"/>
+          <p:cNvSpPr>
+            <a:spLocks noGrp="1"/>
+          </p:cNvSpPr>
+          <p:nvPr>
+            <p:ph idx="1"/>
+          </p:nvPr>
+        </p:nvSpPr>
+        <p:spPr>
+          <a:xfrm>
+            <a:off x="5004048" y="1775191"/>
+            <a:ext cx="3682752" cy="4625609"/>
+          </a:xfrm>
+        </p:spPr>
+        <p:txBody>
+          <a:bodyPr>
+            <a:normAutofit lnSpcReduction="10000"/>
+          </a:bodyPr>
           <a:lstStyle/>
           <a:p>
             <a:r>
               <a:rPr lang="hu-HU" smtClean="0"/>
-              <a:t>ÁBRA</a:t>
-            </a:r>
-            <a:endParaRPr lang="hu-HU"/>
-          </a:p>
-        </p:txBody>
-      </p:sp>
-      <p:sp>
-        <p:nvSpPr>
-          <p:cNvPr id="5" name="Tartalom helye 4"/>
-          <p:cNvSpPr>
-            <a:spLocks noGrp="1"/>
-          </p:cNvSpPr>
-          <p:nvPr>
-            <p:ph sz="half" idx="2"/>
-          </p:nvPr>
-        </p:nvSpPr>
-        <p:spPr/>
-        <p:txBody>
-          <a:bodyPr/>
-          <a:lstStyle/>
-          <a:p>
-            <a:r>
-              <a:rPr lang="hu-HU" smtClean="0"/>
-              <a:t>Webalkalmazás</a:t>
-            </a:r>
-          </a:p>
-          <a:p>
-            <a:r>
-              <a:rPr lang="hu-HU" smtClean="0"/>
-              <a:t>GWT szervízek</a:t>
-            </a:r>
-          </a:p>
-          <a:p>
-            <a:r>
-              <a:rPr lang="hu-HU" smtClean="0"/>
-              <a:t>Converter</a:t>
-            </a:r>
-          </a:p>
-          <a:p>
-            <a:r>
-              <a:rPr lang="hu-HU" smtClean="0"/>
-              <a:t>EJB</a:t>
-            </a:r>
-          </a:p>
-          <a:p>
-            <a:r>
-              <a:rPr lang="hu-HU" smtClean="0"/>
-              <a:t>DAO</a:t>
-            </a:r>
-          </a:p>
-          <a:p>
-            <a:r>
-              <a:rPr lang="hu-HU" smtClean="0"/>
-              <a:t>JPA</a:t>
-            </a:r>
-          </a:p>
-          <a:p>
-            <a:r>
-              <a:rPr lang="hu-HU" smtClean="0"/>
-              <a:t>DB</a:t>
-            </a:r>
-            <a:endParaRPr lang="hu-HU"/>
-          </a:p>
-        </p:txBody>
-      </p:sp>
+              <a:t>RegisteredEntity</a:t>
+            </a:r>
+          </a:p>
+          <a:p>
+            <a:pPr lvl="1"/>
+            <a:r>
+              <a:rPr lang="hu-HU" smtClean="0"/>
+              <a:t>Series</a:t>
+            </a:r>
+          </a:p>
+          <a:p>
+            <a:pPr lvl="1"/>
+            <a:r>
+              <a:rPr lang="hu-HU" smtClean="0"/>
+              <a:t>Episode</a:t>
+            </a:r>
+          </a:p>
+          <a:p>
+            <a:r>
+              <a:rPr lang="hu-HU" smtClean="0"/>
+              <a:t>Label, Actor</a:t>
+            </a:r>
+          </a:p>
+          <a:p>
+            <a:r>
+              <a:rPr lang="hu-HU" smtClean="0"/>
+              <a:t>Subtitle, SubtitleData</a:t>
+            </a:r>
+          </a:p>
+          <a:p>
+            <a:r>
+              <a:rPr lang="hu-HU" smtClean="0"/>
+              <a:t>Action</a:t>
+            </a:r>
+          </a:p>
+          <a:p>
+            <a:pPr lvl="1"/>
+            <a:r>
+              <a:rPr lang="hu-HU" smtClean="0"/>
+              <a:t>Like, Rate, Comment</a:t>
+            </a:r>
+          </a:p>
+          <a:p>
+            <a:r>
+              <a:rPr lang="hu-HU" smtClean="0"/>
+              <a:t>User</a:t>
+            </a:r>
+          </a:p>
+        </p:txBody>
+      </p:sp>
+      <p:pic>
+        <p:nvPicPr>
+          <p:cNvPr id="4098" name="Picture 2" descr="E:\BME\current\eclipse\doc\02 beadas\db\db.png"/>
+          <p:cNvPicPr>
+            <a:picLocks noChangeAspect="1" noChangeArrowheads="1"/>
+          </p:cNvPicPr>
+          <p:nvPr/>
+        </p:nvPicPr>
+        <p:blipFill>
+          <a:blip r:embed="rId2" cstate="print"/>
+          <a:srcRect/>
+          <a:stretch>
+            <a:fillRect/>
+          </a:stretch>
+        </p:blipFill>
+        <p:spPr bwMode="auto">
+          <a:xfrm>
+            <a:off x="251520" y="1628800"/>
+            <a:ext cx="4638030" cy="4902374"/>
+          </a:xfrm>
+          <a:prstGeom prst="rect">
+            <a:avLst/>
+          </a:prstGeom>
+          <a:noFill/>
+        </p:spPr>
+      </p:pic>
     </p:spTree>
   </p:cSld>
   <p:clrMapOvr>
     <a:masterClrMapping/>
   </p:clrMapOvr>
+  <p:timing>
+    <p:tnLst>
+      <p:par>
+        <p:cTn id="1" dur="indefinite" restart="never" nodeType="tmRoot"/>
+      </p:par>
+    </p:tnLst>
+  </p:timing>
 </p:sld>
 </file>
 
@@ -4709,7 +4864,7 @@
           <a:p>
             <a:r>
               <a:rPr lang="hu-HU" smtClean="0"/>
-              <a:t>Perzisztens réteg</a:t>
+              <a:t>Webalkalmazás</a:t>
             </a:r>
             <a:endParaRPr lang="hu-HU"/>
           </a:p>
@@ -4717,7 +4872,7 @@
       </p:sp>
       <p:sp>
         <p:nvSpPr>
-          <p:cNvPr id="5" name="Tartalom helye 4"/>
+          <p:cNvPr id="3" name="Tartalom helye 2"/>
           <p:cNvSpPr>
             <a:spLocks noGrp="1"/>
           </p:cNvSpPr>
@@ -4732,7 +4887,13 @@
           <a:p>
             <a:r>
               <a:rPr lang="hu-HU" smtClean="0"/>
-              <a:t>ÁBRA</a:t>
+              <a:t>Screenshot</a:t>
+            </a:r>
+          </a:p>
+          <a:p>
+            <a:r>
+              <a:rPr lang="hu-HU" smtClean="0"/>
+              <a:t>Pár szó róla</a:t>
             </a:r>
             <a:endParaRPr lang="hu-HU"/>
           </a:p>
@@ -4743,6 +4904,13 @@
   <p:clrMapOvr>
     <a:masterClrMapping/>
   </p:clrMapOvr>
+  <p:timing>
+    <p:tnLst>
+      <p:par>
+        <p:cTn id="1" dur="indefinite" restart="never" nodeType="tmRoot"/>
+      </p:par>
+    </p:tnLst>
+  </p:timing>
 </p:sld>
 </file>
 
@@ -4780,7 +4948,7 @@
           <a:p>
             <a:r>
               <a:rPr lang="hu-HU" smtClean="0"/>
-              <a:t>Webalkalmazás</a:t>
+              <a:t>Továbbfejlesztési lehetőségek</a:t>
             </a:r>
             <a:endParaRPr lang="hu-HU"/>
           </a:p>
@@ -4798,20 +4966,92 @@
         </p:nvSpPr>
         <p:spPr/>
         <p:txBody>
-          <a:bodyPr/>
+          <a:bodyPr>
+            <a:normAutofit fontScale="85000" lnSpcReduction="20000"/>
+          </a:bodyPr>
           <a:lstStyle/>
           <a:p>
             <a:r>
               <a:rPr lang="hu-HU" smtClean="0"/>
-              <a:t>Screenshot</a:t>
-            </a:r>
-          </a:p>
-          <a:p>
-            <a:r>
-              <a:rPr lang="hu-HU" smtClean="0"/>
-              <a:t>Pár szó róla</a:t>
-            </a:r>
-            <a:endParaRPr lang="hu-HU"/>
+              <a:t>Hiányzó funkciók</a:t>
+            </a:r>
+          </a:p>
+          <a:p>
+            <a:pPr lvl="1"/>
+            <a:r>
+              <a:rPr lang="hu-HU" smtClean="0"/>
+              <a:t>Feliratok kezelése</a:t>
+            </a:r>
+            <a:endParaRPr lang="hu-HU" smtClean="0"/>
+          </a:p>
+          <a:p>
+            <a:r>
+              <a:rPr lang="hu-HU" smtClean="0"/>
+              <a:t>Funkciók finomítása</a:t>
+            </a:r>
+          </a:p>
+          <a:p>
+            <a:pPr lvl="1"/>
+            <a:r>
+              <a:rPr lang="hu-HU" smtClean="0"/>
+              <a:t>Epizódok felhasználóbarátabb listázása</a:t>
+            </a:r>
+          </a:p>
+          <a:p>
+            <a:pPr lvl="1"/>
+            <a:r>
+              <a:rPr lang="hu-HU" smtClean="0"/>
+              <a:t>GUI szépítése</a:t>
+            </a:r>
+          </a:p>
+          <a:p>
+            <a:pPr lvl="1"/>
+            <a:r>
+              <a:rPr lang="hu-HU" smtClean="0"/>
+              <a:t>Lapozható listák</a:t>
+            </a:r>
+          </a:p>
+          <a:p>
+            <a:pPr lvl="1"/>
+            <a:r>
+              <a:rPr lang="hu-HU" smtClean="0"/>
+              <a:t>Meglévő adatok módosítása hiányzik</a:t>
+            </a:r>
+          </a:p>
+          <a:p>
+            <a:r>
+              <a:rPr lang="hu-HU" smtClean="0"/>
+              <a:t>Biztonság</a:t>
+            </a:r>
+          </a:p>
+          <a:p>
+            <a:pPr lvl="1"/>
+            <a:r>
+              <a:rPr lang="hu-HU" smtClean="0"/>
+              <a:t>Nincs session security</a:t>
+            </a:r>
+            <a:endParaRPr lang="hu-HU" smtClean="0"/>
+          </a:p>
+          <a:p>
+            <a:r>
+              <a:rPr lang="hu-HU" smtClean="0"/>
+              <a:t>Extra funkciók</a:t>
+            </a:r>
+            <a:endParaRPr lang="hu-HU" smtClean="0"/>
+          </a:p>
+          <a:p>
+            <a:pPr lvl="1"/>
+            <a:r>
+              <a:rPr lang="hu-HU" smtClean="0"/>
+              <a:t>Képfeltöltés</a:t>
+            </a:r>
+          </a:p>
+          <a:p>
+            <a:pPr lvl="1"/>
+            <a:r>
+              <a:rPr lang="hu-HU" smtClean="0"/>
+              <a:t>Adatbázis séma bővítés</a:t>
+            </a:r>
           </a:p>
         </p:txBody>
       </p:sp>
@@ -4820,6 +5060,13 @@
   <p:clrMapOvr>
     <a:masterClrMapping/>
   </p:clrMapOvr>
+  <p:timing>
+    <p:tnLst>
+      <p:par>
+        <p:cTn id="1" dur="indefinite" restart="never" nodeType="tmRoot"/>
+      </p:par>
+    </p:tnLst>
+  </p:timing>
 </p:sld>
 </file>
 
